--- a/reference_content/Slides/keras_intro.pptx
+++ b/reference_content/Slides/keras_intro.pptx
@@ -18,7 +18,10 @@
     <p:sldId id="266" r:id="rId12"/>
     <p:sldId id="267" r:id="rId13"/>
     <p:sldId id="268" r:id="rId14"/>
-    <p:sldId id="262" r:id="rId15"/>
+    <p:sldId id="272" r:id="rId15"/>
+    <p:sldId id="270" r:id="rId16"/>
+    <p:sldId id="262" r:id="rId17"/>
+    <p:sldId id="271" r:id="rId18"/>
   </p:sldIdLst>
   <p:sldSz cx="12192000" cy="6858000"/>
   <p:notesSz cx="6858000" cy="9144000"/>
@@ -264,7 +267,7 @@
           <a:p>
             <a:fld id="{79916A6E-2100-8142-A459-D131503AA14F}" type="datetimeFigureOut">
               <a:rPr lang="en-US" smtClean="0"/>
-              <a:t>3/16/22</a:t>
+              <a:t>3/28/24</a:t>
             </a:fld>
             <a:endParaRPr lang="en-US"/>
           </a:p>
@@ -475,7 +478,7 @@
           <a:p>
             <a:fld id="{79916A6E-2100-8142-A459-D131503AA14F}" type="datetimeFigureOut">
               <a:rPr lang="en-US" smtClean="0"/>
-              <a:t>3/16/22</a:t>
+              <a:t>3/28/24</a:t>
             </a:fld>
             <a:endParaRPr lang="en-US"/>
           </a:p>
@@ -690,7 +693,7 @@
           <a:p>
             <a:fld id="{79916A6E-2100-8142-A459-D131503AA14F}" type="datetimeFigureOut">
               <a:rPr lang="en-US" smtClean="0"/>
-              <a:t>3/16/22</a:t>
+              <a:t>3/28/24</a:t>
             </a:fld>
             <a:endParaRPr lang="en-US"/>
           </a:p>
@@ -891,7 +894,7 @@
           <a:p>
             <a:fld id="{79916A6E-2100-8142-A459-D131503AA14F}" type="datetimeFigureOut">
               <a:rPr lang="en-US" smtClean="0"/>
-              <a:t>3/16/22</a:t>
+              <a:t>3/28/24</a:t>
             </a:fld>
             <a:endParaRPr lang="en-US"/>
           </a:p>
@@ -1170,7 +1173,7 @@
           <a:p>
             <a:fld id="{79916A6E-2100-8142-A459-D131503AA14F}" type="datetimeFigureOut">
               <a:rPr lang="en-US" smtClean="0"/>
-              <a:t>3/16/22</a:t>
+              <a:t>3/28/24</a:t>
             </a:fld>
             <a:endParaRPr lang="en-US"/>
           </a:p>
@@ -1438,7 +1441,7 @@
           <a:p>
             <a:fld id="{79916A6E-2100-8142-A459-D131503AA14F}" type="datetimeFigureOut">
               <a:rPr lang="en-US" smtClean="0"/>
-              <a:t>3/16/22</a:t>
+              <a:t>3/28/24</a:t>
             </a:fld>
             <a:endParaRPr lang="en-US"/>
           </a:p>
@@ -1854,7 +1857,7 @@
           <a:p>
             <a:fld id="{79916A6E-2100-8142-A459-D131503AA14F}" type="datetimeFigureOut">
               <a:rPr lang="en-US" smtClean="0"/>
-              <a:t>3/16/22</a:t>
+              <a:t>3/28/24</a:t>
             </a:fld>
             <a:endParaRPr lang="en-US"/>
           </a:p>
@@ -2003,7 +2006,7 @@
           <a:p>
             <a:fld id="{79916A6E-2100-8142-A459-D131503AA14F}" type="datetimeFigureOut">
               <a:rPr lang="en-US" smtClean="0"/>
-              <a:t>3/16/22</a:t>
+              <a:t>3/28/24</a:t>
             </a:fld>
             <a:endParaRPr lang="en-US"/>
           </a:p>
@@ -2129,7 +2132,7 @@
           <a:p>
             <a:fld id="{79916A6E-2100-8142-A459-D131503AA14F}" type="datetimeFigureOut">
               <a:rPr lang="en-US" smtClean="0"/>
-              <a:t>3/16/22</a:t>
+              <a:t>3/28/24</a:t>
             </a:fld>
             <a:endParaRPr lang="en-US"/>
           </a:p>
@@ -2380,7 +2383,7 @@
           <a:p>
             <a:fld id="{79916A6E-2100-8142-A459-D131503AA14F}" type="datetimeFigureOut">
               <a:rPr lang="en-US" smtClean="0"/>
-              <a:t>3/16/22</a:t>
+              <a:t>3/28/24</a:t>
             </a:fld>
             <a:endParaRPr lang="en-US"/>
           </a:p>
@@ -2825,7 +2828,7 @@
           <a:p>
             <a:fld id="{79916A6E-2100-8142-A459-D131503AA14F}" type="datetimeFigureOut">
               <a:rPr lang="en-US" smtClean="0"/>
-              <a:t>3/16/22</a:t>
+              <a:t>3/28/24</a:t>
             </a:fld>
             <a:endParaRPr lang="en-US"/>
           </a:p>
@@ -3152,7 +3155,7 @@
           <a:p>
             <a:fld id="{79916A6E-2100-8142-A459-D131503AA14F}" type="datetimeFigureOut">
               <a:rPr lang="en-US" smtClean="0"/>
-              <a:t>3/16/22</a:t>
+              <a:t>3/28/24</a:t>
             </a:fld>
             <a:endParaRPr lang="en-US"/>
           </a:p>
@@ -3762,33 +3765,6 @@
               <a:t>Minimal theory, mostly exercises</a:t>
             </a:r>
           </a:p>
-          <a:p>
-            <a:r>
-              <a:rPr lang="en-US" dirty="0"/>
-              <a:t>Assignment 4:</a:t>
-            </a:r>
-          </a:p>
-          <a:p>
-            <a:pPr lvl="1"/>
-            <a:r>
-              <a:rPr lang="en-US" dirty="0"/>
-              <a:t>Posted on Moodle. Note: data file is on Moodle as well, not in the repo. </a:t>
-            </a:r>
-          </a:p>
-          <a:p>
-            <a:pPr lvl="1"/>
-            <a:r>
-              <a:rPr lang="en-US" dirty="0"/>
-              <a:t>Moved back to April 2</a:t>
-            </a:r>
-          </a:p>
-          <a:p>
-            <a:pPr lvl="1"/>
-            <a:r>
-              <a:rPr lang="en-US" dirty="0"/>
-              <a:t>After today you should be able to do it, next week we’ll add a bit that may make it better. </a:t>
-            </a:r>
-          </a:p>
         </p:txBody>
       </p:sp>
     </p:spTree>
@@ -4036,13 +4012,13 @@
         </p:nvSpPr>
         <p:spPr>
           <a:xfrm>
-            <a:off x="1451579" y="2015732"/>
-            <a:ext cx="9603275" cy="4037749"/>
+            <a:off x="1451579" y="1853754"/>
+            <a:ext cx="9603275" cy="4199727"/>
           </a:xfrm>
         </p:spPr>
         <p:txBody>
           <a:bodyPr>
-            <a:normAutofit/>
+            <a:normAutofit fontScale="92500"/>
           </a:bodyPr>
           <a:lstStyle/>
           <a:p>
@@ -4097,6 +4073,13 @@
             <a:r>
               <a:rPr lang="en-US" dirty="0"/>
               <a:t>Different optimizers mostly seek for more efficient methods to converge. Adam is the current most popular and is pretty good in all respects. It is safe to just use this one. </a:t>
+            </a:r>
+          </a:p>
+          <a:p>
+            <a:pPr lvl="1"/>
+            <a:r>
+              <a:rPr lang="en-US" dirty="0"/>
+              <a:t>This is more important in NN than regular GD– finding a solution can be slow, so this matters. </a:t>
             </a:r>
           </a:p>
           <a:p>
@@ -4472,6 +4455,270 @@
           <p:cNvPr id="2" name="Title 1">
             <a:extLst>
               <a:ext uri="{FF2B5EF4-FFF2-40B4-BE49-F238E27FC236}">
+                <a16:creationId xmlns:a16="http://schemas.microsoft.com/office/drawing/2014/main" id="{EE80EAD5-06B8-E1CC-2202-37D8B09163CA}"/>
+              </a:ext>
+            </a:extLst>
+          </p:cNvPr>
+          <p:cNvSpPr>
+            <a:spLocks noGrp="1"/>
+          </p:cNvSpPr>
+          <p:nvPr>
+            <p:ph type="title"/>
+          </p:nvPr>
+        </p:nvSpPr>
+        <p:spPr/>
+        <p:txBody>
+          <a:bodyPr/>
+          <a:lstStyle/>
+          <a:p>
+            <a:r>
+              <a:rPr lang="en-US" dirty="0"/>
+              <a:t>Fighting Fit</a:t>
+            </a:r>
+          </a:p>
+        </p:txBody>
+      </p:sp>
+      <p:sp>
+        <p:nvSpPr>
+          <p:cNvPr id="3" name="Content Placeholder 2">
+            <a:extLst>
+              <a:ext uri="{FF2B5EF4-FFF2-40B4-BE49-F238E27FC236}">
+                <a16:creationId xmlns:a16="http://schemas.microsoft.com/office/drawing/2014/main" id="{4E8FAB6D-7542-DAE6-1BE4-FF40849DB846}"/>
+              </a:ext>
+            </a:extLst>
+          </p:cNvPr>
+          <p:cNvSpPr>
+            <a:spLocks noGrp="1"/>
+          </p:cNvSpPr>
+          <p:nvPr>
+            <p:ph idx="1"/>
+          </p:nvPr>
+        </p:nvSpPr>
+        <p:spPr/>
+        <p:txBody>
+          <a:bodyPr/>
+          <a:lstStyle/>
+          <a:p>
+            <a:r>
+              <a:rPr lang="en-US" dirty="0"/>
+              <a:t>Some techniques we can use to improve fit in a model are:</a:t>
+            </a:r>
+          </a:p>
+          <a:p>
+            <a:pPr lvl="1"/>
+            <a:r>
+              <a:rPr lang="en-US" dirty="0"/>
+              <a:t>Regularization – we can enable L2/L1 regularization in layers. </a:t>
+            </a:r>
+          </a:p>
+          <a:p>
+            <a:pPr lvl="1"/>
+            <a:r>
+              <a:rPr lang="en-US" dirty="0"/>
+              <a:t>Dropout – remove nodes on the fly. </a:t>
+            </a:r>
+          </a:p>
+          <a:p>
+            <a:pPr lvl="1"/>
+            <a:r>
+              <a:rPr lang="en-US" dirty="0"/>
+              <a:t>Early stopping – stop the model’s training before </a:t>
+            </a:r>
+            <a:r>
+              <a:rPr lang="en-US"/>
+              <a:t>it overfits. </a:t>
+            </a:r>
+          </a:p>
+        </p:txBody>
+      </p:sp>
+    </p:spTree>
+    <p:extLst>
+      <p:ext uri="{BB962C8B-B14F-4D97-AF65-F5344CB8AC3E}">
+        <p14:creationId xmlns:p14="http://schemas.microsoft.com/office/powerpoint/2010/main" val="1077586257"/>
+      </p:ext>
+    </p:extLst>
+  </p:cSld>
+  <p:clrMapOvr>
+    <a:masterClrMapping/>
+  </p:clrMapOvr>
+</p:sld>
+</file>
+
+<file path=ppt/slides/slide15.xml><?xml version="1.0" encoding="utf-8"?>
+<p:sld xmlns:a="http://schemas.openxmlformats.org/drawingml/2006/main" xmlns:r="http://schemas.openxmlformats.org/officeDocument/2006/relationships" xmlns:p="http://schemas.openxmlformats.org/presentationml/2006/main">
+  <p:cSld>
+    <p:spTree>
+      <p:nvGrpSpPr>
+        <p:cNvPr id="1" name=""/>
+        <p:cNvGrpSpPr/>
+        <p:nvPr/>
+      </p:nvGrpSpPr>
+      <p:grpSpPr>
+        <a:xfrm>
+          <a:off x="0" y="0"/>
+          <a:ext cx="0" cy="0"/>
+          <a:chOff x="0" y="0"/>
+          <a:chExt cx="0" cy="0"/>
+        </a:xfrm>
+      </p:grpSpPr>
+      <p:sp>
+        <p:nvSpPr>
+          <p:cNvPr id="2" name="Title 1">
+            <a:extLst>
+              <a:ext uri="{FF2B5EF4-FFF2-40B4-BE49-F238E27FC236}">
+                <a16:creationId xmlns:a16="http://schemas.microsoft.com/office/drawing/2014/main" id="{1F459F46-6629-DF12-D88C-340BCD2A2D3F}"/>
+              </a:ext>
+            </a:extLst>
+          </p:cNvPr>
+          <p:cNvSpPr>
+            <a:spLocks noGrp="1"/>
+          </p:cNvSpPr>
+          <p:nvPr>
+            <p:ph type="title"/>
+          </p:nvPr>
+        </p:nvSpPr>
+        <p:spPr/>
+        <p:txBody>
+          <a:bodyPr/>
+          <a:lstStyle/>
+          <a:p>
+            <a:r>
+              <a:rPr lang="en-US" dirty="0"/>
+              <a:t>Recall - Stochastic</a:t>
+            </a:r>
+          </a:p>
+        </p:txBody>
+      </p:sp>
+      <p:sp>
+        <p:nvSpPr>
+          <p:cNvPr id="3" name="Content Placeholder 2">
+            <a:extLst>
+              <a:ext uri="{FF2B5EF4-FFF2-40B4-BE49-F238E27FC236}">
+                <a16:creationId xmlns:a16="http://schemas.microsoft.com/office/drawing/2014/main" id="{3E5604A6-A07B-F7B0-20E1-68EA35CDA941}"/>
+              </a:ext>
+            </a:extLst>
+          </p:cNvPr>
+          <p:cNvSpPr>
+            <a:spLocks noGrp="1"/>
+          </p:cNvSpPr>
+          <p:nvPr>
+            <p:ph idx="1"/>
+          </p:nvPr>
+        </p:nvSpPr>
+        <p:spPr>
+          <a:xfrm>
+            <a:off x="1137147" y="1853753"/>
+            <a:ext cx="10137494" cy="4298471"/>
+          </a:xfrm>
+        </p:spPr>
+        <p:txBody>
+          <a:bodyPr>
+            <a:normAutofit/>
+          </a:bodyPr>
+          <a:lstStyle/>
+          <a:p>
+            <a:r>
+              <a:rPr lang="en-US" dirty="0"/>
+              <a:t>Remember the inner working of gradient descent. </a:t>
+            </a:r>
+          </a:p>
+          <a:p>
+            <a:pPr lvl="1"/>
+            <a:r>
+              <a:rPr lang="en-US" dirty="0"/>
+              <a:t>We do a prediction (forward pass) with all the data, tabulate error, then adjust weights. </a:t>
+            </a:r>
+          </a:p>
+          <a:p>
+            <a:pPr lvl="1"/>
+            <a:r>
+              <a:rPr lang="en-US" dirty="0"/>
+              <a:t>The weights are adjusted once per batch. In ‘regular’ GD, batch = all data. </a:t>
+            </a:r>
+          </a:p>
+          <a:p>
+            <a:r>
+              <a:rPr lang="en-US" dirty="0"/>
+              <a:t>In neural networks “all the data” can be very large. </a:t>
+            </a:r>
+          </a:p>
+          <a:p>
+            <a:r>
+              <a:rPr lang="en-US" dirty="0"/>
+              <a:t>We often limit batches, for several reasons. </a:t>
+            </a:r>
+          </a:p>
+          <a:p>
+            <a:pPr lvl="1"/>
+            <a:r>
+              <a:rPr lang="en-US" dirty="0"/>
+              <a:t>We may not be able to fit the data in (GPU) memory at all. E.g. with images. </a:t>
+            </a:r>
+          </a:p>
+          <a:p>
+            <a:pPr lvl="1"/>
+            <a:r>
+              <a:rPr lang="en-US" dirty="0"/>
+              <a:t>Time to run one epoch may be super large. (Possibly days or weeks). </a:t>
+            </a:r>
+          </a:p>
+          <a:p>
+            <a:r>
+              <a:rPr lang="en-US" dirty="0"/>
+              <a:t>The batch size is one of the settings we need to consider in neural networks:</a:t>
+            </a:r>
+          </a:p>
+          <a:p>
+            <a:pPr lvl="1"/>
+            <a:r>
+              <a:rPr lang="en-US" dirty="0"/>
+              <a:t>In larger cases it will be constrained by physical limits of the system like RAM. </a:t>
+            </a:r>
+          </a:p>
+          <a:p>
+            <a:pPr lvl="1"/>
+            <a:r>
+              <a:rPr lang="en-US" dirty="0"/>
+              <a:t>For performance, things vary, but smaller batches empirically trend better (as of a few years ago).</a:t>
+            </a:r>
+          </a:p>
+        </p:txBody>
+      </p:sp>
+    </p:spTree>
+    <p:extLst>
+      <p:ext uri="{BB962C8B-B14F-4D97-AF65-F5344CB8AC3E}">
+        <p14:creationId xmlns:p14="http://schemas.microsoft.com/office/powerpoint/2010/main" val="4276525247"/>
+      </p:ext>
+    </p:extLst>
+  </p:cSld>
+  <p:clrMapOvr>
+    <a:masterClrMapping/>
+  </p:clrMapOvr>
+</p:sld>
+</file>
+
+<file path=ppt/slides/slide16.xml><?xml version="1.0" encoding="utf-8"?>
+<p:sld xmlns:a="http://schemas.openxmlformats.org/drawingml/2006/main" xmlns:r="http://schemas.openxmlformats.org/officeDocument/2006/relationships" xmlns:p="http://schemas.openxmlformats.org/presentationml/2006/main">
+  <p:cSld>
+    <p:spTree>
+      <p:nvGrpSpPr>
+        <p:cNvPr id="1" name=""/>
+        <p:cNvGrpSpPr/>
+        <p:nvPr/>
+      </p:nvGrpSpPr>
+      <p:grpSpPr>
+        <a:xfrm>
+          <a:off x="0" y="0"/>
+          <a:ext cx="0" cy="0"/>
+          <a:chOff x="0" y="0"/>
+          <a:chExt cx="0" cy="0"/>
+        </a:xfrm>
+      </p:grpSpPr>
+      <p:sp>
+        <p:nvSpPr>
+          <p:cNvPr id="2" name="Title 1">
+            <a:extLst>
+              <a:ext uri="{FF2B5EF4-FFF2-40B4-BE49-F238E27FC236}">
                 <a16:creationId xmlns:a16="http://schemas.microsoft.com/office/drawing/2014/main" id="{F763C8DE-4931-9C4D-971C-E77BDA7A0CD1}"/>
               </a:ext>
             </a:extLst>
@@ -4591,6 +4838,139 @@
     <p:extLst>
       <p:ext uri="{BB962C8B-B14F-4D97-AF65-F5344CB8AC3E}">
         <p14:creationId xmlns:p14="http://schemas.microsoft.com/office/powerpoint/2010/main" val="1112077108"/>
+      </p:ext>
+    </p:extLst>
+  </p:cSld>
+  <p:clrMapOvr>
+    <a:masterClrMapping/>
+  </p:clrMapOvr>
+</p:sld>
+</file>
+
+<file path=ppt/slides/slide17.xml><?xml version="1.0" encoding="utf-8"?>
+<p:sld xmlns:a="http://schemas.openxmlformats.org/drawingml/2006/main" xmlns:r="http://schemas.openxmlformats.org/officeDocument/2006/relationships" xmlns:p="http://schemas.openxmlformats.org/presentationml/2006/main">
+  <p:cSld>
+    <p:spTree>
+      <p:nvGrpSpPr>
+        <p:cNvPr id="1" name=""/>
+        <p:cNvGrpSpPr/>
+        <p:nvPr/>
+      </p:nvGrpSpPr>
+      <p:grpSpPr>
+        <a:xfrm>
+          <a:off x="0" y="0"/>
+          <a:ext cx="0" cy="0"/>
+          <a:chOff x="0" y="0"/>
+          <a:chExt cx="0" cy="0"/>
+        </a:xfrm>
+      </p:grpSpPr>
+      <p:sp>
+        <p:nvSpPr>
+          <p:cNvPr id="2" name="Title 1">
+            <a:extLst>
+              <a:ext uri="{FF2B5EF4-FFF2-40B4-BE49-F238E27FC236}">
+                <a16:creationId xmlns:a16="http://schemas.microsoft.com/office/drawing/2014/main" id="{1C372D32-131C-7958-5342-A536CF3123C1}"/>
+              </a:ext>
+            </a:extLst>
+          </p:cNvPr>
+          <p:cNvSpPr>
+            <a:spLocks noGrp="1"/>
+          </p:cNvSpPr>
+          <p:nvPr>
+            <p:ph type="title"/>
+          </p:nvPr>
+        </p:nvSpPr>
+        <p:spPr/>
+        <p:txBody>
+          <a:bodyPr/>
+          <a:lstStyle/>
+          <a:p>
+            <a:r>
+              <a:rPr lang="en-US" dirty="0" err="1"/>
+              <a:t>Keras</a:t>
+            </a:r>
+            <a:r>
+              <a:rPr lang="en-US" dirty="0"/>
+              <a:t> Model Conclusion</a:t>
+            </a:r>
+          </a:p>
+        </p:txBody>
+      </p:sp>
+      <p:sp>
+        <p:nvSpPr>
+          <p:cNvPr id="3" name="Content Placeholder 2">
+            <a:extLst>
+              <a:ext uri="{FF2B5EF4-FFF2-40B4-BE49-F238E27FC236}">
+                <a16:creationId xmlns:a16="http://schemas.microsoft.com/office/drawing/2014/main" id="{01AAD441-3C37-CC05-1C86-ACFA8623977B}"/>
+              </a:ext>
+            </a:extLst>
+          </p:cNvPr>
+          <p:cNvSpPr>
+            <a:spLocks noGrp="1"/>
+          </p:cNvSpPr>
+          <p:nvPr>
+            <p:ph idx="1"/>
+          </p:nvPr>
+        </p:nvSpPr>
+        <p:spPr/>
+        <p:txBody>
+          <a:bodyPr/>
+          <a:lstStyle/>
+          <a:p>
+            <a:r>
+              <a:rPr lang="en-US" dirty="0"/>
+              <a:t>Using </a:t>
+            </a:r>
+            <a:r>
+              <a:rPr lang="en-US" dirty="0" err="1"/>
+              <a:t>keras</a:t>
+            </a:r>
+            <a:r>
+              <a:rPr lang="en-US" dirty="0"/>
+              <a:t> based networks has a different process than the </a:t>
+            </a:r>
+            <a:r>
+              <a:rPr lang="en-US" dirty="0" err="1"/>
+              <a:t>sklearn</a:t>
+            </a:r>
+            <a:r>
+              <a:rPr lang="en-US" dirty="0"/>
+              <a:t> ones. </a:t>
+            </a:r>
+          </a:p>
+          <a:p>
+            <a:r>
+              <a:rPr lang="en-US" dirty="0"/>
+              <a:t>Highly complex models lead to more need for tuning work. </a:t>
+            </a:r>
+          </a:p>
+          <a:p>
+            <a:pPr lvl="1"/>
+            <a:r>
+              <a:rPr lang="en-US" dirty="0"/>
+              <a:t>Model structure. </a:t>
+            </a:r>
+          </a:p>
+          <a:p>
+            <a:pPr lvl="1"/>
+            <a:r>
+              <a:rPr lang="en-US" dirty="0"/>
+              <a:t>Details such as optimizer, activation, and learning rate. </a:t>
+            </a:r>
+          </a:p>
+          <a:p>
+            <a:pPr lvl="1"/>
+            <a:r>
+              <a:rPr lang="en-US" dirty="0"/>
+              <a:t>Regularization and other fit techniques. </a:t>
+            </a:r>
+          </a:p>
+        </p:txBody>
+      </p:sp>
+    </p:spTree>
+    <p:extLst>
+      <p:ext uri="{BB962C8B-B14F-4D97-AF65-F5344CB8AC3E}">
+        <p14:creationId xmlns:p14="http://schemas.microsoft.com/office/powerpoint/2010/main" val="40469110"/>
       </p:ext>
     </p:extLst>
   </p:cSld>
@@ -5141,8 +5521,8 @@
         </p:nvSpPr>
         <p:spPr>
           <a:xfrm>
-            <a:off x="914400" y="2015734"/>
-            <a:ext cx="7043737" cy="4037747"/>
+            <a:off x="0" y="2015734"/>
+            <a:ext cx="7958137" cy="4037747"/>
           </a:xfrm>
         </p:spPr>
         <p:txBody>
@@ -5160,6 +5540,13 @@
             <a:r>
               <a:rPr lang="en-US" sz="2400" dirty="0"/>
               <a:t>We specify what the model is, what the layers are, and configure them via parameters. </a:t>
+            </a:r>
+          </a:p>
+          <a:p>
+            <a:pPr lvl="1"/>
+            <a:r>
+              <a:rPr lang="en-US" sz="2200" dirty="0"/>
+              <a:t>Dot products and transposes can be ignored. </a:t>
             </a:r>
           </a:p>
           <a:p>
@@ -5380,7 +5767,7 @@
             <a:pPr lvl="1"/>
             <a:r>
               <a:rPr lang="en-US" dirty="0"/>
-              <a:t>In real applications we can build custom layers to do prep stuff. </a:t>
+              <a:t>In real applications we can build custom layers to do some prep stuff. </a:t>
             </a:r>
           </a:p>
         </p:txBody>
@@ -5533,7 +5920,7 @@
           <a:p>
             <a:r>
               <a:rPr lang="en-US" dirty="0"/>
-              <a:t>In subsequent layers we just need to specify the output dimension. </a:t>
+              <a:t>In subsequent layers we just need to specify the output dimension (it auto-adapts the rest). </a:t>
             </a:r>
           </a:p>
           <a:p>
@@ -5804,13 +6191,13 @@
         </p:nvSpPr>
         <p:spPr>
           <a:xfrm>
-            <a:off x="516835" y="2015734"/>
-            <a:ext cx="8666922" cy="4037747"/>
+            <a:off x="516834" y="2015734"/>
+            <a:ext cx="9603275" cy="4037747"/>
           </a:xfrm>
         </p:spPr>
         <p:txBody>
           <a:bodyPr>
-            <a:normAutofit lnSpcReduction="10000"/>
+            <a:normAutofit/>
           </a:bodyPr>
           <a:lstStyle/>
           <a:p>
@@ -5928,7 +6315,7 @@
             </a:pPr>
             <a:r>
               <a:rPr lang="en-US" dirty="0"/>
-              <a:t>Lean towards a larger model and use regularization. </a:t>
+              <a:t>Lean towards a larger model and use regularization techniques. </a:t>
             </a:r>
           </a:p>
           <a:p>
